--- a/PoC summary revised.pptx
+++ b/PoC summary revised.pptx
@@ -11829,7 +11829,7 @@
         </p:nvSpPr>
         <p:spPr>
           <a:xfrm>
-            <a:off x="1918959" y="986152"/>
+            <a:off x="1828806" y="1312148"/>
             <a:ext cx="5486100" cy="2052600"/>
           </a:xfrm>
           <a:prstGeom prst="rect">
